--- a/resource/作图.pptx
+++ b/resource/作图.pptx
@@ -3244,7 +3244,7 @@
         <a:spcBef>
           <a:spcPts val="1000"/>
         </a:spcBef>
-        <a:buFont typeface="Arial" panose="020B0604020202090204" pitchFamily="34" charset="0"/>
+        <a:buFont typeface="Arial" panose="020B0604020202020204" pitchFamily="34" charset="0"/>
         <a:buChar char="•"/>
         <a:defRPr sz="2800" kern="1200">
           <a:solidFill>
@@ -3262,7 +3262,7 @@
         <a:spcBef>
           <a:spcPts val="500"/>
         </a:spcBef>
-        <a:buFont typeface="Arial" panose="020B0604020202090204" pitchFamily="34" charset="0"/>
+        <a:buFont typeface="Arial" panose="020B0604020202020204" pitchFamily="34" charset="0"/>
         <a:buChar char="•"/>
         <a:defRPr sz="2400" kern="1200">
           <a:solidFill>
@@ -3280,7 +3280,7 @@
         <a:spcBef>
           <a:spcPts val="500"/>
         </a:spcBef>
-        <a:buFont typeface="Arial" panose="020B0604020202090204" pitchFamily="34" charset="0"/>
+        <a:buFont typeface="Arial" panose="020B0604020202020204" pitchFamily="34" charset="0"/>
         <a:buChar char="•"/>
         <a:defRPr sz="2000" kern="1200">
           <a:solidFill>
@@ -3298,7 +3298,7 @@
         <a:spcBef>
           <a:spcPts val="500"/>
         </a:spcBef>
-        <a:buFont typeface="Arial" panose="020B0604020202090204" pitchFamily="34" charset="0"/>
+        <a:buFont typeface="Arial" panose="020B0604020202020204" pitchFamily="34" charset="0"/>
         <a:buChar char="•"/>
         <a:defRPr sz="1800" kern="1200">
           <a:solidFill>
@@ -3316,7 +3316,7 @@
         <a:spcBef>
           <a:spcPts val="500"/>
         </a:spcBef>
-        <a:buFont typeface="Arial" panose="020B0604020202090204" pitchFamily="34" charset="0"/>
+        <a:buFont typeface="Arial" panose="020B0604020202020204" pitchFamily="34" charset="0"/>
         <a:buChar char="•"/>
         <a:defRPr sz="1800" kern="1200">
           <a:solidFill>
@@ -3334,7 +3334,7 @@
         <a:spcBef>
           <a:spcPts val="500"/>
         </a:spcBef>
-        <a:buFont typeface="Arial" panose="020B0604020202090204" pitchFamily="34" charset="0"/>
+        <a:buFont typeface="Arial" panose="020B0604020202020204" pitchFamily="34" charset="0"/>
         <a:buChar char="•"/>
         <a:defRPr sz="1800" kern="1200">
           <a:solidFill>
@@ -3352,7 +3352,7 @@
         <a:spcBef>
           <a:spcPts val="500"/>
         </a:spcBef>
-        <a:buFont typeface="Arial" panose="020B0604020202090204" pitchFamily="34" charset="0"/>
+        <a:buFont typeface="Arial" panose="020B0604020202020204" pitchFamily="34" charset="0"/>
         <a:buChar char="•"/>
         <a:defRPr sz="1800" kern="1200">
           <a:solidFill>
@@ -3370,7 +3370,7 @@
         <a:spcBef>
           <a:spcPts val="500"/>
         </a:spcBef>
-        <a:buFont typeface="Arial" panose="020B0604020202090204" pitchFamily="34" charset="0"/>
+        <a:buFont typeface="Arial" panose="020B0604020202020204" pitchFamily="34" charset="0"/>
         <a:buChar char="•"/>
         <a:defRPr sz="1800" kern="1200">
           <a:solidFill>
@@ -3388,7 +3388,7 @@
         <a:spcBef>
           <a:spcPts val="500"/>
         </a:spcBef>
-        <a:buFont typeface="Arial" panose="020B0604020202090204" pitchFamily="34" charset="0"/>
+        <a:buFont typeface="Arial" panose="020B0604020202020204" pitchFamily="34" charset="0"/>
         <a:buChar char="•"/>
         <a:defRPr sz="1800" kern="1200">
           <a:solidFill>
@@ -3524,8 +3524,8 @@
         </p:nvSpPr>
         <p:spPr>
           <a:xfrm>
-            <a:off x="1656080" y="1860550"/>
-            <a:ext cx="7757795" cy="1568450"/>
+            <a:off x="470535" y="380365"/>
+            <a:ext cx="7522210" cy="1568450"/>
           </a:xfrm>
           <a:prstGeom prst="rect">
             <a:avLst/>
@@ -3537,9 +3537,10 @@
             <a:spAutoFit/>
           </a:bodyPr>
           <a:p>
+            <a:pPr algn="ctr"/>
             <a:r>
               <a:rPr lang="zh-CN" altLang="en-US" sz="9600" b="1">
-                <a:ln w="28575">
+                <a:ln w="38100">
                   <a:solidFill>
                     <a:schemeClr val="bg1">
                       <a:lumMod val="95000"/>
@@ -3556,14 +3557,15 @@
                     </a:prstClr>
                   </a:outerShdw>
                 </a:effectLst>
-                <a:latin typeface="Xingkai SC Bold" panose="02010800040101010101" charset="-122"/>
-                <a:ea typeface="Xingkai SC Bold" panose="02010800040101010101" charset="-122"/>
+                <a:latin typeface="华文隶书" panose="02010800040101010101" charset="-122"/>
+                <a:ea typeface="华文隶书" panose="02010800040101010101" charset="-122"/>
+                <a:cs typeface="华文隶书" panose="02010800040101010101" charset="-122"/>
               </a:rPr>
               <a:t>上</a:t>
             </a:r>
             <a:r>
               <a:rPr lang="en-US" altLang="zh-CN" sz="9600" b="1">
-                <a:ln w="28575">
+                <a:ln w="38100">
                   <a:solidFill>
                     <a:schemeClr val="bg1">
                       <a:lumMod val="95000"/>
@@ -3580,14 +3582,15 @@
                     </a:prstClr>
                   </a:outerShdw>
                 </a:effectLst>
-                <a:latin typeface="Xingkai SC Bold" panose="02010800040101010101" charset="-122"/>
-                <a:ea typeface="Xingkai SC Bold" panose="02010800040101010101" charset="-122"/>
+                <a:latin typeface="华文隶书" panose="02010800040101010101" charset="-122"/>
+                <a:ea typeface="华文隶书" panose="02010800040101010101" charset="-122"/>
+                <a:cs typeface="华文隶书" panose="02010800040101010101" charset="-122"/>
               </a:rPr>
               <a:t> </a:t>
             </a:r>
             <a:r>
               <a:rPr lang="zh-CN" altLang="en-US" sz="9600" b="1">
-                <a:ln w="28575">
+                <a:ln w="38100">
                   <a:solidFill>
                     <a:schemeClr val="bg1">
                       <a:lumMod val="95000"/>
@@ -3604,14 +3607,15 @@
                     </a:prstClr>
                   </a:outerShdw>
                 </a:effectLst>
-                <a:latin typeface="Xingkai SC Bold" panose="02010800040101010101" charset="-122"/>
-                <a:ea typeface="Xingkai SC Bold" panose="02010800040101010101" charset="-122"/>
+                <a:latin typeface="华文隶书" panose="02010800040101010101" charset="-122"/>
+                <a:ea typeface="华文隶书" panose="02010800040101010101" charset="-122"/>
+                <a:cs typeface="华文隶书" panose="02010800040101010101" charset="-122"/>
               </a:rPr>
               <a:t>医</a:t>
             </a:r>
             <a:r>
               <a:rPr lang="en-US" altLang="zh-CN" sz="9600" b="1">
-                <a:ln w="28575">
+                <a:ln w="38100">
                   <a:solidFill>
                     <a:schemeClr val="bg1">
                       <a:lumMod val="95000"/>
@@ -3628,14 +3632,15 @@
                     </a:prstClr>
                   </a:outerShdw>
                 </a:effectLst>
-                <a:latin typeface="Xingkai SC Bold" panose="02010800040101010101" charset="-122"/>
-                <a:ea typeface="Xingkai SC Bold" panose="02010800040101010101" charset="-122"/>
+                <a:latin typeface="华文隶书" panose="02010800040101010101" charset="-122"/>
+                <a:ea typeface="华文隶书" panose="02010800040101010101" charset="-122"/>
+                <a:cs typeface="华文隶书" panose="02010800040101010101" charset="-122"/>
               </a:rPr>
               <a:t> </a:t>
             </a:r>
             <a:r>
               <a:rPr lang="zh-CN" altLang="en-US" sz="9600" b="1">
-                <a:ln w="28575">
+                <a:ln w="38100">
                   <a:solidFill>
                     <a:schemeClr val="bg1">
                       <a:lumMod val="95000"/>
@@ -3652,14 +3657,15 @@
                     </a:prstClr>
                   </a:outerShdw>
                 </a:effectLst>
-                <a:latin typeface="Xingkai SC Bold" panose="02010800040101010101" charset="-122"/>
-                <a:ea typeface="Xingkai SC Bold" panose="02010800040101010101" charset="-122"/>
+                <a:latin typeface="华文隶书" panose="02010800040101010101" charset="-122"/>
+                <a:ea typeface="华文隶书" panose="02010800040101010101" charset="-122"/>
+                <a:cs typeface="华文隶书" panose="02010800040101010101" charset="-122"/>
               </a:rPr>
               <a:t>治</a:t>
             </a:r>
             <a:r>
               <a:rPr lang="en-US" altLang="zh-CN" sz="9600" b="1">
-                <a:ln w="28575">
+                <a:ln w="38100">
                   <a:solidFill>
                     <a:schemeClr val="bg1">
                       <a:lumMod val="95000"/>
@@ -3676,14 +3682,15 @@
                     </a:prstClr>
                   </a:outerShdw>
                 </a:effectLst>
-                <a:latin typeface="Xingkai SC Bold" panose="02010800040101010101" charset="-122"/>
-                <a:ea typeface="Xingkai SC Bold" panose="02010800040101010101" charset="-122"/>
+                <a:latin typeface="华文隶书" panose="02010800040101010101" charset="-122"/>
+                <a:ea typeface="华文隶书" panose="02010800040101010101" charset="-122"/>
+                <a:cs typeface="华文隶书" panose="02010800040101010101" charset="-122"/>
               </a:rPr>
               <a:t> </a:t>
             </a:r>
             <a:r>
               <a:rPr lang="zh-CN" altLang="en-US" sz="9600" b="1">
-                <a:ln w="28575">
+                <a:ln w="38100">
                   <a:solidFill>
                     <a:schemeClr val="bg1">
                       <a:lumMod val="95000"/>
@@ -3700,14 +3707,15 @@
                     </a:prstClr>
                   </a:outerShdw>
                 </a:effectLst>
-                <a:latin typeface="Xingkai SC Bold" panose="02010800040101010101" charset="-122"/>
-                <a:ea typeface="Xingkai SC Bold" panose="02010800040101010101" charset="-122"/>
+                <a:latin typeface="华文隶书" panose="02010800040101010101" charset="-122"/>
+                <a:ea typeface="华文隶书" panose="02010800040101010101" charset="-122"/>
+                <a:cs typeface="华文隶书" panose="02010800040101010101" charset="-122"/>
               </a:rPr>
               <a:t>未</a:t>
             </a:r>
             <a:r>
               <a:rPr lang="en-US" altLang="zh-CN" sz="9600" b="1">
-                <a:ln w="28575">
+                <a:ln w="38100">
                   <a:solidFill>
                     <a:schemeClr val="bg1">
                       <a:lumMod val="95000"/>
@@ -3724,14 +3732,15 @@
                     </a:prstClr>
                   </a:outerShdw>
                 </a:effectLst>
-                <a:latin typeface="Xingkai SC Bold" panose="02010800040101010101" charset="-122"/>
-                <a:ea typeface="Xingkai SC Bold" panose="02010800040101010101" charset="-122"/>
+                <a:latin typeface="华文隶书" panose="02010800040101010101" charset="-122"/>
+                <a:ea typeface="华文隶书" panose="02010800040101010101" charset="-122"/>
+                <a:cs typeface="华文隶书" panose="02010800040101010101" charset="-122"/>
               </a:rPr>
               <a:t> </a:t>
             </a:r>
             <a:r>
               <a:rPr lang="zh-CN" altLang="en-US" sz="9600" b="1">
-                <a:ln w="28575">
+                <a:ln w="38100">
                   <a:solidFill>
                     <a:schemeClr val="bg1">
                       <a:lumMod val="95000"/>
@@ -3748,13 +3757,14 @@
                     </a:prstClr>
                   </a:outerShdw>
                 </a:effectLst>
-                <a:latin typeface="Xingkai SC Bold" panose="02010800040101010101" charset="-122"/>
-                <a:ea typeface="Xingkai SC Bold" panose="02010800040101010101" charset="-122"/>
+                <a:latin typeface="华文隶书" panose="02010800040101010101" charset="-122"/>
+                <a:ea typeface="华文隶书" panose="02010800040101010101" charset="-122"/>
+                <a:cs typeface="华文隶书" panose="02010800040101010101" charset="-122"/>
               </a:rPr>
               <a:t>病</a:t>
             </a:r>
             <a:endParaRPr lang="zh-CN" altLang="en-US" sz="9600" b="1">
-              <a:ln w="28575">
+              <a:ln w="38100">
                 <a:solidFill>
                   <a:schemeClr val="bg1">
                     <a:lumMod val="95000"/>
@@ -3771,9 +3781,64 @@
                   </a:prstClr>
                 </a:outerShdw>
               </a:effectLst>
-              <a:latin typeface="Xingkai SC Bold" panose="02010800040101010101" charset="-122"/>
-              <a:ea typeface="Xingkai SC Bold" panose="02010800040101010101" charset="-122"/>
+              <a:latin typeface="华文隶书" panose="02010800040101010101" charset="-122"/>
+              <a:ea typeface="华文隶书" panose="02010800040101010101" charset="-122"/>
+              <a:cs typeface="华文隶书" panose="02010800040101010101" charset="-122"/>
             </a:endParaRPr>
+          </a:p>
+        </p:txBody>
+      </p:sp>
+      <p:sp>
+        <p:nvSpPr>
+          <p:cNvPr id="2" name="Flowchart: Extract 1"/>
+          <p:cNvSpPr/>
+          <p:nvPr/>
+        </p:nvSpPr>
+        <p:spPr>
+          <a:xfrm>
+            <a:off x="3690620" y="2411095"/>
+            <a:ext cx="1592580" cy="1592580"/>
+          </a:xfrm>
+          <a:prstGeom prst="flowChartExtract">
+            <a:avLst/>
+          </a:prstGeom>
+          <a:solidFill>
+            <a:schemeClr val="bg1">
+              <a:lumMod val="85000"/>
+            </a:schemeClr>
+          </a:solidFill>
+          <a:ln w="190500" cap="rnd" cmpd="sng">
+            <a:solidFill>
+              <a:schemeClr val="tx1">
+                <a:lumMod val="65000"/>
+                <a:lumOff val="35000"/>
+              </a:schemeClr>
+            </a:solidFill>
+            <a:prstDash val="solid"/>
+            <a:round/>
+          </a:ln>
+        </p:spPr>
+        <p:style>
+          <a:lnRef idx="2">
+            <a:schemeClr val="accent1">
+              <a:lumMod val="75000"/>
+            </a:schemeClr>
+          </a:lnRef>
+          <a:fillRef idx="1">
+            <a:schemeClr val="accent1"/>
+          </a:fillRef>
+          <a:effectRef idx="0">
+            <a:srgbClr val="FFFFFF"/>
+          </a:effectRef>
+          <a:fontRef idx="minor">
+            <a:schemeClr val="lt1"/>
+          </a:fontRef>
+        </p:style>
+        <p:txBody>
+          <a:bodyPr rtlCol="0" anchor="ctr"/>
+          <a:p>
+            <a:pPr algn="ctr"/>
+            <a:endParaRPr lang="en-US"/>
           </a:p>
         </p:txBody>
       </p:sp>

--- a/resource/作图.pptx
+++ b/resource/作图.pptx
@@ -5,16 +5,16 @@
     <p:sldMasterId id="2147483648" r:id="rId1"/>
   </p:sldMasterIdLst>
   <p:notesMasterIdLst>
-    <p:notesMasterId r:id="rId4"/>
+    <p:notesMasterId r:id="rId3"/>
   </p:notesMasterIdLst>
   <p:handoutMasterIdLst>
-    <p:handoutMasterId r:id="rId5"/>
+    <p:handoutMasterId r:id="rId4"/>
   </p:handoutMasterIdLst>
   <p:sldIdLst>
-    <p:sldId id="256" r:id="rId3"/>
+    <p:sldId id="256" r:id="rId2"/>
   </p:sldIdLst>
   <p:sldSz cx="12192000" cy="6858000"/>
-  <p:notesSz cx="7103745" cy="10234295"/>
+  <p:notesSz cx="7104063" cy="10234613"/>
   <p:defaultTextStyle>
     <a:defPPr>
       <a:defRPr lang="zh-CN"/>
@@ -211,6 +211,7 @@
           <a:p>
             <a:fld id="{0F9B84EA-7D68-4D60-9CB1-D50884785D1C}" type="datetimeFigureOut">
               <a:rPr lang="zh-CN" altLang="en-US" smtClean="0"/>
+              <a:t>2024/2/1</a:t>
             </a:fld>
             <a:endParaRPr lang="zh-CN" altLang="en-US"/>
           </a:p>
@@ -276,6 +277,7 @@
           <a:p>
             <a:fld id="{8D4E0FC9-F1F8-4FAE-9988-3BA365CFD46F}" type="slidenum">
               <a:rPr lang="zh-CN" altLang="en-US" smtClean="0"/>
+              <a:t>‹#›</a:t>
             </a:fld>
             <a:endParaRPr lang="zh-CN" altLang="en-US"/>
           </a:p>
@@ -369,6 +371,7 @@
           <a:p>
             <a:fld id="{D6C8D182-E4C8-4120-9249-FC9774456FFA}" type="datetimeFigureOut">
               <a:rPr lang="zh-CN" altLang="en-US" smtClean="0"/>
+              <a:t>2024/2/1</a:t>
             </a:fld>
             <a:endParaRPr lang="zh-CN" altLang="en-US"/>
           </a:p>
@@ -435,7 +438,6 @@
               <a:rPr lang="zh-CN" altLang="en-US"/>
               <a:t>编辑母版文本样式</a:t>
             </a:r>
-            <a:endParaRPr lang="zh-CN" altLang="en-US"/>
           </a:p>
           <a:p>
             <a:pPr lvl="1"/>
@@ -443,7 +445,6 @@
               <a:rPr lang="zh-CN" altLang="en-US"/>
               <a:t>第二级</a:t>
             </a:r>
-            <a:endParaRPr lang="zh-CN" altLang="en-US"/>
           </a:p>
           <a:p>
             <a:pPr lvl="2"/>
@@ -451,7 +452,6 @@
               <a:rPr lang="zh-CN" altLang="en-US"/>
               <a:t>第三级</a:t>
             </a:r>
-            <a:endParaRPr lang="zh-CN" altLang="en-US"/>
           </a:p>
           <a:p>
             <a:pPr lvl="3"/>
@@ -459,7 +459,6 @@
               <a:rPr lang="zh-CN" altLang="en-US"/>
               <a:t>第四级</a:t>
             </a:r>
-            <a:endParaRPr lang="zh-CN" altLang="en-US"/>
           </a:p>
           <a:p>
             <a:pPr lvl="4"/>
@@ -467,7 +466,6 @@
               <a:rPr lang="zh-CN" altLang="en-US"/>
               <a:t>第五级</a:t>
             </a:r>
-            <a:endParaRPr lang="zh-CN" altLang="en-US"/>
           </a:p>
         </p:txBody>
       </p:sp>
@@ -531,6 +529,7 @@
           <a:p>
             <a:fld id="{85D0DACE-38E0-42D2-9336-2B707D34BC6D}" type="slidenum">
               <a:rPr lang="zh-CN" altLang="en-US" smtClean="0"/>
+              <a:t>‹#›</a:t>
             </a:fld>
             <a:endParaRPr lang="zh-CN" altLang="en-US"/>
           </a:p>
@@ -699,6 +698,7 @@
           <a:p>
             <a:fld id="{85D0DACE-38E0-42D2-9336-2B707D34BC6D}" type="slidenum">
               <a:rPr lang="zh-CN" altLang="en-US" smtClean="0"/>
+              <a:t>1</a:t>
             </a:fld>
             <a:endParaRPr lang="zh-CN" altLang="en-US"/>
           </a:p>
@@ -764,7 +764,6 @@
               <a:rPr lang="zh-CN" altLang="en-US" dirty="0"/>
               <a:t>单击此处添加标题</a:t>
             </a:r>
-            <a:endParaRPr lang="zh-CN" altLang="en-US" dirty="0"/>
           </a:p>
         </p:txBody>
       </p:sp>
@@ -785,6 +784,7 @@
           <a:p>
             <a:fld id="{760FBDFE-C587-4B4C-A407-44438C67B59E}" type="datetimeFigureOut">
               <a:rPr lang="zh-CN" altLang="en-US" smtClean="0"/>
+              <a:t>2024/2/1</a:t>
             </a:fld>
             <a:endParaRPr lang="zh-CN" altLang="en-US"/>
           </a:p>
@@ -826,6 +826,7 @@
           <a:p>
             <a:fld id="{49AE70B2-8BF9-45C0-BB95-33D1B9D3A854}" type="slidenum">
               <a:rPr lang="zh-CN" altLang="en-US" smtClean="0"/>
+              <a:t>‹#›</a:t>
             </a:fld>
             <a:endParaRPr lang="zh-CN" altLang="en-US"/>
           </a:p>
@@ -904,7 +905,6 @@
               <a:rPr lang="zh-CN" altLang="en-US" dirty="0"/>
               <a:t>单击此处添加副标题</a:t>
             </a:r>
-            <a:endParaRPr lang="zh-CN" altLang="en-US" dirty="0"/>
           </a:p>
         </p:txBody>
       </p:sp>
@@ -950,6 +950,7 @@
           <a:p>
             <a:fld id="{760FBDFE-C587-4B4C-A407-44438C67B59E}" type="datetimeFigureOut">
               <a:rPr lang="zh-CN" altLang="en-US" smtClean="0"/>
+              <a:t>2024/2/1</a:t>
             </a:fld>
             <a:endParaRPr lang="zh-CN" altLang="en-US"/>
           </a:p>
@@ -991,6 +992,7 @@
           <a:p>
             <a:fld id="{49AE70B2-8BF9-45C0-BB95-33D1B9D3A854}" type="slidenum">
               <a:rPr lang="zh-CN" altLang="en-US" smtClean="0"/>
+              <a:t>‹#›</a:t>
             </a:fld>
             <a:endParaRPr lang="zh-CN" altLang="en-US"/>
           </a:p>
@@ -1021,7 +1023,6 @@
               <a:rPr lang="zh-CN" altLang="en-US" dirty="0"/>
               <a:t>单击此处编辑母版文本样式</a:t>
             </a:r>
-            <a:endParaRPr lang="zh-CN" altLang="en-US" dirty="0"/>
           </a:p>
           <a:p>
             <a:pPr lvl="1"/>
@@ -1029,7 +1030,6 @@
               <a:rPr lang="zh-CN" altLang="en-US" dirty="0"/>
               <a:t>第二级</a:t>
             </a:r>
-            <a:endParaRPr lang="zh-CN" altLang="en-US" dirty="0"/>
           </a:p>
           <a:p>
             <a:pPr lvl="2"/>
@@ -1037,7 +1037,6 @@
               <a:rPr lang="zh-CN" altLang="en-US" dirty="0"/>
               <a:t>第三级</a:t>
             </a:r>
-            <a:endParaRPr lang="zh-CN" altLang="en-US" dirty="0"/>
           </a:p>
           <a:p>
             <a:pPr lvl="3"/>
@@ -1045,7 +1044,6 @@
               <a:rPr lang="zh-CN" altLang="en-US" dirty="0"/>
               <a:t>第四级</a:t>
             </a:r>
-            <a:endParaRPr lang="zh-CN" altLang="en-US" dirty="0"/>
           </a:p>
           <a:p>
             <a:pPr lvl="4"/>
@@ -1053,7 +1051,6 @@
               <a:rPr lang="zh-CN" altLang="en-US" dirty="0"/>
               <a:t>第五级</a:t>
             </a:r>
-            <a:endParaRPr lang="zh-CN" altLang="en-US" dirty="0"/>
           </a:p>
         </p:txBody>
       </p:sp>
@@ -1114,7 +1111,6 @@
               <a:rPr lang="zh-CN" altLang="en-US" dirty="0"/>
               <a:t>单击此处编辑母版标题样式</a:t>
             </a:r>
-            <a:endParaRPr lang="zh-CN" altLang="en-US" dirty="0"/>
           </a:p>
         </p:txBody>
       </p:sp>
@@ -1196,7 +1192,6 @@
               <a:rPr lang="zh-CN" altLang="en-US" dirty="0"/>
               <a:t>单击此处编辑母版文本样式</a:t>
             </a:r>
-            <a:endParaRPr lang="zh-CN" altLang="en-US" dirty="0"/>
           </a:p>
           <a:p>
             <a:pPr lvl="1"/>
@@ -1204,7 +1199,6 @@
               <a:rPr lang="zh-CN" altLang="en-US" dirty="0"/>
               <a:t>第二级</a:t>
             </a:r>
-            <a:endParaRPr lang="zh-CN" altLang="en-US" dirty="0"/>
           </a:p>
           <a:p>
             <a:pPr lvl="2"/>
@@ -1212,7 +1206,6 @@
               <a:rPr lang="zh-CN" altLang="en-US" dirty="0"/>
               <a:t>第三级</a:t>
             </a:r>
-            <a:endParaRPr lang="zh-CN" altLang="en-US" dirty="0"/>
           </a:p>
           <a:p>
             <a:pPr lvl="3"/>
@@ -1220,7 +1213,6 @@
               <a:rPr lang="zh-CN" altLang="en-US" dirty="0"/>
               <a:t>第四级</a:t>
             </a:r>
-            <a:endParaRPr lang="zh-CN" altLang="en-US" dirty="0"/>
           </a:p>
           <a:p>
             <a:pPr lvl="4"/>
@@ -1228,7 +1220,6 @@
               <a:rPr lang="zh-CN" altLang="en-US" dirty="0"/>
               <a:t>第五级</a:t>
             </a:r>
-            <a:endParaRPr lang="zh-CN" altLang="en-US" dirty="0"/>
           </a:p>
         </p:txBody>
       </p:sp>
@@ -1249,6 +1240,7 @@
           <a:p>
             <a:fld id="{760FBDFE-C587-4B4C-A407-44438C67B59E}" type="datetimeFigureOut">
               <a:rPr lang="zh-CN" altLang="en-US" smtClean="0"/>
+              <a:t>2024/2/1</a:t>
             </a:fld>
             <a:endParaRPr lang="zh-CN" altLang="en-US"/>
           </a:p>
@@ -1290,6 +1282,7 @@
           <a:p>
             <a:fld id="{49AE70B2-8BF9-45C0-BB95-33D1B9D3A854}" type="slidenum">
               <a:rPr lang="zh-CN" altLang="en-US" smtClean="0"/>
+              <a:t>‹#›</a:t>
             </a:fld>
             <a:endParaRPr lang="zh-CN" altLang="en-US"/>
           </a:p>
@@ -1352,7 +1345,6 @@
               <a:rPr lang="zh-CN" altLang="en-US" dirty="0"/>
               <a:t>单击此处编辑母版标题样式</a:t>
             </a:r>
-            <a:endParaRPr lang="zh-CN" altLang="en-US" dirty="0"/>
           </a:p>
         </p:txBody>
       </p:sp>
@@ -1472,7 +1464,6 @@
               <a:rPr lang="zh-CN" altLang="en-US" dirty="0"/>
               <a:t>单击此处编辑母版文本样式</a:t>
             </a:r>
-            <a:endParaRPr lang="zh-CN" altLang="en-US" dirty="0"/>
           </a:p>
         </p:txBody>
       </p:sp>
@@ -1493,6 +1484,7 @@
           <a:p>
             <a:fld id="{760FBDFE-C587-4B4C-A407-44438C67B59E}" type="datetimeFigureOut">
               <a:rPr lang="zh-CN" altLang="en-US" smtClean="0"/>
+              <a:t>2024/2/1</a:t>
             </a:fld>
             <a:endParaRPr lang="zh-CN" altLang="en-US"/>
           </a:p>
@@ -1534,6 +1526,7 @@
           <a:p>
             <a:fld id="{49AE70B2-8BF9-45C0-BB95-33D1B9D3A854}" type="slidenum">
               <a:rPr lang="zh-CN" altLang="en-US" smtClean="0"/>
+              <a:t>‹#›</a:t>
             </a:fld>
             <a:endParaRPr lang="zh-CN" altLang="en-US"/>
           </a:p>
@@ -1596,7 +1589,6 @@
               <a:rPr lang="zh-CN" altLang="en-US" dirty="0"/>
               <a:t>单击此处编辑母版标题样式</a:t>
             </a:r>
-            <a:endParaRPr lang="zh-CN" altLang="en-US" dirty="0"/>
           </a:p>
         </p:txBody>
       </p:sp>
@@ -1693,7 +1685,6 @@
               <a:rPr lang="zh-CN" altLang="en-US" dirty="0"/>
               <a:t>单击此处编辑母版文本样式</a:t>
             </a:r>
-            <a:endParaRPr lang="zh-CN" altLang="en-US" dirty="0"/>
           </a:p>
           <a:p>
             <a:pPr lvl="1"/>
@@ -1701,7 +1692,6 @@
               <a:rPr lang="zh-CN" altLang="en-US" dirty="0"/>
               <a:t>第二级</a:t>
             </a:r>
-            <a:endParaRPr lang="zh-CN" altLang="en-US" dirty="0"/>
           </a:p>
           <a:p>
             <a:pPr lvl="2"/>
@@ -1709,7 +1699,6 @@
               <a:rPr lang="zh-CN" altLang="en-US" dirty="0"/>
               <a:t>第三级</a:t>
             </a:r>
-            <a:endParaRPr lang="zh-CN" altLang="en-US" dirty="0"/>
           </a:p>
           <a:p>
             <a:pPr lvl="3"/>
@@ -1717,7 +1706,6 @@
               <a:rPr lang="zh-CN" altLang="en-US" dirty="0"/>
               <a:t>第四级</a:t>
             </a:r>
-            <a:endParaRPr lang="zh-CN" altLang="en-US" dirty="0"/>
           </a:p>
           <a:p>
             <a:pPr lvl="4"/>
@@ -1725,7 +1713,6 @@
               <a:rPr lang="zh-CN" altLang="en-US" dirty="0"/>
               <a:t>第五级</a:t>
             </a:r>
-            <a:endParaRPr lang="zh-CN" altLang="en-US" dirty="0"/>
           </a:p>
         </p:txBody>
       </p:sp>
@@ -1822,7 +1809,6 @@
               <a:rPr lang="zh-CN" altLang="en-US" dirty="0"/>
               <a:t>单击此处编辑母版文本样式</a:t>
             </a:r>
-            <a:endParaRPr lang="zh-CN" altLang="en-US" dirty="0"/>
           </a:p>
           <a:p>
             <a:pPr lvl="1"/>
@@ -1830,7 +1816,6 @@
               <a:rPr lang="zh-CN" altLang="en-US" dirty="0"/>
               <a:t>第二级</a:t>
             </a:r>
-            <a:endParaRPr lang="zh-CN" altLang="en-US" dirty="0"/>
           </a:p>
           <a:p>
             <a:pPr lvl="2"/>
@@ -1838,7 +1823,6 @@
               <a:rPr lang="zh-CN" altLang="en-US" dirty="0"/>
               <a:t>第三级</a:t>
             </a:r>
-            <a:endParaRPr lang="zh-CN" altLang="en-US" dirty="0"/>
           </a:p>
           <a:p>
             <a:pPr lvl="3"/>
@@ -1846,7 +1830,6 @@
               <a:rPr lang="zh-CN" altLang="en-US" dirty="0"/>
               <a:t>第四级</a:t>
             </a:r>
-            <a:endParaRPr lang="zh-CN" altLang="en-US" dirty="0"/>
           </a:p>
           <a:p>
             <a:pPr lvl="4"/>
@@ -1854,7 +1837,6 @@
               <a:rPr lang="zh-CN" altLang="en-US" dirty="0"/>
               <a:t>第五级</a:t>
             </a:r>
-            <a:endParaRPr lang="zh-CN" altLang="en-US" dirty="0"/>
           </a:p>
         </p:txBody>
       </p:sp>
@@ -1875,6 +1857,7 @@
           <a:p>
             <a:fld id="{760FBDFE-C587-4B4C-A407-44438C67B59E}" type="datetimeFigureOut">
               <a:rPr lang="zh-CN" altLang="en-US" smtClean="0"/>
+              <a:t>2024/2/1</a:t>
             </a:fld>
             <a:endParaRPr lang="zh-CN" altLang="en-US"/>
           </a:p>
@@ -1916,6 +1899,7 @@
           <a:p>
             <a:fld id="{49AE70B2-8BF9-45C0-BB95-33D1B9D3A854}" type="slidenum">
               <a:rPr lang="zh-CN" altLang="en-US" smtClean="0"/>
+              <a:t>‹#›</a:t>
             </a:fld>
             <a:endParaRPr lang="zh-CN" altLang="en-US"/>
           </a:p>
@@ -1970,7 +1954,6 @@
               <a:rPr lang="zh-CN" altLang="en-US" dirty="0"/>
               <a:t>单击此处编辑母版标题样式</a:t>
             </a:r>
-            <a:endParaRPr lang="zh-CN" altLang="en-US" dirty="0"/>
           </a:p>
         </p:txBody>
       </p:sp>
@@ -2038,7 +2021,6 @@
               <a:rPr lang="zh-CN" altLang="en-US" dirty="0"/>
               <a:t>单击此处编辑母版文本样式</a:t>
             </a:r>
-            <a:endParaRPr lang="zh-CN" altLang="en-US" dirty="0"/>
           </a:p>
         </p:txBody>
       </p:sp>
@@ -2067,7 +2049,6 @@
               <a:rPr lang="zh-CN" altLang="en-US" dirty="0"/>
               <a:t>单击此处编辑母版文本样式</a:t>
             </a:r>
-            <a:endParaRPr lang="zh-CN" altLang="en-US" dirty="0"/>
           </a:p>
           <a:p>
             <a:pPr lvl="1"/>
@@ -2075,7 +2056,6 @@
               <a:rPr lang="zh-CN" altLang="en-US" dirty="0"/>
               <a:t>第二级</a:t>
             </a:r>
-            <a:endParaRPr lang="zh-CN" altLang="en-US" dirty="0"/>
           </a:p>
           <a:p>
             <a:pPr lvl="2"/>
@@ -2083,7 +2063,6 @@
               <a:rPr lang="zh-CN" altLang="en-US" dirty="0"/>
               <a:t>第三级</a:t>
             </a:r>
-            <a:endParaRPr lang="zh-CN" altLang="en-US" dirty="0"/>
           </a:p>
           <a:p>
             <a:pPr lvl="3"/>
@@ -2091,7 +2070,6 @@
               <a:rPr lang="zh-CN" altLang="en-US" dirty="0"/>
               <a:t>第四级</a:t>
             </a:r>
-            <a:endParaRPr lang="zh-CN" altLang="en-US" dirty="0"/>
           </a:p>
           <a:p>
             <a:pPr lvl="4"/>
@@ -2099,7 +2077,6 @@
               <a:rPr lang="zh-CN" altLang="en-US" dirty="0"/>
               <a:t>第五级</a:t>
             </a:r>
-            <a:endParaRPr lang="zh-CN" altLang="en-US" dirty="0"/>
           </a:p>
         </p:txBody>
       </p:sp>
@@ -2167,7 +2144,6 @@
               <a:rPr lang="zh-CN" altLang="en-US" dirty="0"/>
               <a:t>单击此处编辑母版文本样式</a:t>
             </a:r>
-            <a:endParaRPr lang="zh-CN" altLang="en-US" dirty="0"/>
           </a:p>
         </p:txBody>
       </p:sp>
@@ -2196,7 +2172,6 @@
               <a:rPr lang="zh-CN" altLang="en-US" dirty="0"/>
               <a:t>单击此处编辑母版文本样式</a:t>
             </a:r>
-            <a:endParaRPr lang="zh-CN" altLang="en-US" dirty="0"/>
           </a:p>
           <a:p>
             <a:pPr lvl="1"/>
@@ -2204,7 +2179,6 @@
               <a:rPr lang="zh-CN" altLang="en-US" dirty="0"/>
               <a:t>第二级</a:t>
             </a:r>
-            <a:endParaRPr lang="zh-CN" altLang="en-US" dirty="0"/>
           </a:p>
           <a:p>
             <a:pPr lvl="2"/>
@@ -2212,7 +2186,6 @@
               <a:rPr lang="zh-CN" altLang="en-US" dirty="0"/>
               <a:t>第三级</a:t>
             </a:r>
-            <a:endParaRPr lang="zh-CN" altLang="en-US" dirty="0"/>
           </a:p>
           <a:p>
             <a:pPr lvl="3"/>
@@ -2220,7 +2193,6 @@
               <a:rPr lang="zh-CN" altLang="en-US" dirty="0"/>
               <a:t>第四级</a:t>
             </a:r>
-            <a:endParaRPr lang="zh-CN" altLang="en-US" dirty="0"/>
           </a:p>
           <a:p>
             <a:pPr lvl="4"/>
@@ -2228,7 +2200,6 @@
               <a:rPr lang="zh-CN" altLang="en-US" dirty="0"/>
               <a:t>第五级</a:t>
             </a:r>
-            <a:endParaRPr lang="zh-CN" altLang="en-US" dirty="0"/>
           </a:p>
         </p:txBody>
       </p:sp>
@@ -2249,6 +2220,7 @@
           <a:p>
             <a:fld id="{760FBDFE-C587-4B4C-A407-44438C67B59E}" type="datetimeFigureOut">
               <a:rPr lang="zh-CN" altLang="en-US" smtClean="0"/>
+              <a:t>2024/2/1</a:t>
             </a:fld>
             <a:endParaRPr lang="zh-CN" altLang="en-US"/>
           </a:p>
@@ -2290,6 +2262,7 @@
           <a:p>
             <a:fld id="{49AE70B2-8BF9-45C0-BB95-33D1B9D3A854}" type="slidenum">
               <a:rPr lang="zh-CN" altLang="en-US" smtClean="0"/>
+              <a:t>‹#›</a:t>
             </a:fld>
             <a:endParaRPr lang="zh-CN" altLang="en-US"/>
           </a:p>
@@ -2352,7 +2325,6 @@
               <a:rPr lang="zh-CN" altLang="en-US" dirty="0"/>
               <a:t>单击此处编辑母版标题样式</a:t>
             </a:r>
-            <a:endParaRPr lang="zh-CN" altLang="en-US" dirty="0"/>
           </a:p>
         </p:txBody>
       </p:sp>
@@ -2373,6 +2345,7 @@
           <a:p>
             <a:fld id="{760FBDFE-C587-4B4C-A407-44438C67B59E}" type="datetimeFigureOut">
               <a:rPr lang="zh-CN" altLang="en-US" smtClean="0"/>
+              <a:t>2024/2/1</a:t>
             </a:fld>
             <a:endParaRPr lang="zh-CN" altLang="en-US"/>
           </a:p>
@@ -2414,6 +2387,7 @@
           <a:p>
             <a:fld id="{49AE70B2-8BF9-45C0-BB95-33D1B9D3A854}" type="slidenum">
               <a:rPr lang="zh-CN" altLang="en-US" smtClean="0"/>
+              <a:t>‹#›</a:t>
             </a:fld>
             <a:endParaRPr lang="zh-CN" altLang="en-US"/>
           </a:p>
@@ -2461,6 +2435,7 @@
           <a:p>
             <a:fld id="{760FBDFE-C587-4B4C-A407-44438C67B59E}" type="datetimeFigureOut">
               <a:rPr lang="zh-CN" altLang="en-US" smtClean="0"/>
+              <a:t>2024/2/1</a:t>
             </a:fld>
             <a:endParaRPr lang="zh-CN" altLang="en-US"/>
           </a:p>
@@ -2502,6 +2477,7 @@
           <a:p>
             <a:fld id="{49AE70B2-8BF9-45C0-BB95-33D1B9D3A854}" type="slidenum">
               <a:rPr lang="zh-CN" altLang="en-US" smtClean="0"/>
+              <a:t>‹#›</a:t>
             </a:fld>
             <a:endParaRPr lang="zh-CN" altLang="en-US"/>
           </a:p>
@@ -2564,7 +2540,6 @@
               <a:rPr lang="zh-CN" altLang="en-US" dirty="0"/>
               <a:t>单击此处编辑标题</a:t>
             </a:r>
-            <a:endParaRPr lang="zh-CN" altLang="en-US" dirty="0"/>
           </a:p>
         </p:txBody>
       </p:sp>
@@ -2696,7 +2671,6 @@
               <a:rPr lang="zh-CN" altLang="en-US" dirty="0"/>
               <a:t>单击此处编辑母版文本样式</a:t>
             </a:r>
-            <a:endParaRPr lang="zh-CN" altLang="en-US" dirty="0"/>
           </a:p>
         </p:txBody>
       </p:sp>
@@ -2717,6 +2691,7 @@
           <a:p>
             <a:fld id="{9EFD9D74-47D9-4702-A33C-335B63B48DBF}" type="datetimeFigureOut">
               <a:rPr lang="zh-CN" altLang="en-US" smtClean="0"/>
+              <a:t>2024/2/1</a:t>
             </a:fld>
             <a:endParaRPr lang="zh-CN" altLang="en-US" dirty="0"/>
           </a:p>
@@ -2758,6 +2733,7 @@
           <a:p>
             <a:fld id="{FABC47A4-756D-490B-A52F-7D9E2C9FC05F}" type="slidenum">
               <a:rPr lang="zh-CN" altLang="en-US" smtClean="0"/>
+              <a:t>‹#›</a:t>
             </a:fld>
             <a:endParaRPr lang="zh-CN" altLang="en-US"/>
           </a:p>
@@ -2818,7 +2794,6 @@
               <a:rPr lang="zh-CN" altLang="en-US" dirty="0"/>
               <a:t>单击此处编辑母版标题样式</a:t>
             </a:r>
-            <a:endParaRPr lang="zh-CN" altLang="en-US" dirty="0"/>
           </a:p>
         </p:txBody>
       </p:sp>
@@ -2847,7 +2822,6 @@
               <a:rPr lang="zh-CN" altLang="en-US" dirty="0"/>
               <a:t>单击此处编辑母版文本样式</a:t>
             </a:r>
-            <a:endParaRPr lang="zh-CN" altLang="en-US" dirty="0"/>
           </a:p>
           <a:p>
             <a:pPr lvl="1"/>
@@ -2855,7 +2829,6 @@
               <a:rPr lang="zh-CN" altLang="en-US" dirty="0"/>
               <a:t>第二级</a:t>
             </a:r>
-            <a:endParaRPr lang="zh-CN" altLang="en-US" dirty="0"/>
           </a:p>
           <a:p>
             <a:pPr lvl="2"/>
@@ -2863,7 +2836,6 @@
               <a:rPr lang="zh-CN" altLang="en-US" dirty="0"/>
               <a:t>第三级</a:t>
             </a:r>
-            <a:endParaRPr lang="zh-CN" altLang="en-US" dirty="0"/>
           </a:p>
           <a:p>
             <a:pPr lvl="3"/>
@@ -2871,7 +2843,6 @@
               <a:rPr lang="zh-CN" altLang="en-US" dirty="0"/>
               <a:t>第四级</a:t>
             </a:r>
-            <a:endParaRPr lang="zh-CN" altLang="en-US" dirty="0"/>
           </a:p>
           <a:p>
             <a:pPr lvl="4"/>
@@ -2879,7 +2850,6 @@
               <a:rPr lang="zh-CN" altLang="en-US" dirty="0"/>
               <a:t>第五级</a:t>
             </a:r>
-            <a:endParaRPr lang="zh-CN" altLang="en-US" dirty="0"/>
           </a:p>
         </p:txBody>
       </p:sp>
@@ -2900,6 +2870,7 @@
           <a:p>
             <a:fld id="{760FBDFE-C587-4B4C-A407-44438C67B59E}" type="datetimeFigureOut">
               <a:rPr lang="zh-CN" altLang="en-US" smtClean="0"/>
+              <a:t>2024/2/1</a:t>
             </a:fld>
             <a:endParaRPr lang="zh-CN" altLang="en-US"/>
           </a:p>
@@ -2941,6 +2912,7 @@
           <a:p>
             <a:fld id="{49AE70B2-8BF9-45C0-BB95-33D1B9D3A854}" type="slidenum">
               <a:rPr lang="zh-CN" altLang="en-US" smtClean="0"/>
+              <a:t>‹#›</a:t>
             </a:fld>
             <a:endParaRPr lang="zh-CN" altLang="en-US"/>
           </a:p>
@@ -3008,7 +2980,6 @@
               <a:rPr lang="zh-CN" altLang="en-US" dirty="0"/>
               <a:t>单击此处编辑母版标题样式</a:t>
             </a:r>
-            <a:endParaRPr lang="zh-CN" altLang="en-US" dirty="0"/>
           </a:p>
         </p:txBody>
       </p:sp>
@@ -3042,7 +3013,6 @@
               <a:rPr lang="zh-CN" altLang="en-US" dirty="0"/>
               <a:t>单击此处编辑母版文本样式</a:t>
             </a:r>
-            <a:endParaRPr lang="zh-CN" altLang="en-US" dirty="0"/>
           </a:p>
           <a:p>
             <a:pPr lvl="1"/>
@@ -3050,7 +3020,6 @@
               <a:rPr lang="zh-CN" altLang="en-US" dirty="0"/>
               <a:t>第二级</a:t>
             </a:r>
-            <a:endParaRPr lang="zh-CN" altLang="en-US" dirty="0"/>
           </a:p>
           <a:p>
             <a:pPr lvl="2"/>
@@ -3058,7 +3027,6 @@
               <a:rPr lang="zh-CN" altLang="en-US" dirty="0"/>
               <a:t>第三级</a:t>
             </a:r>
-            <a:endParaRPr lang="zh-CN" altLang="en-US" dirty="0"/>
           </a:p>
           <a:p>
             <a:pPr lvl="3"/>
@@ -3066,7 +3034,6 @@
               <a:rPr lang="zh-CN" altLang="en-US" dirty="0"/>
               <a:t>第四级</a:t>
             </a:r>
-            <a:endParaRPr lang="zh-CN" altLang="en-US" dirty="0"/>
           </a:p>
           <a:p>
             <a:pPr lvl="4"/>
@@ -3074,7 +3041,6 @@
               <a:rPr lang="zh-CN" altLang="en-US" dirty="0"/>
               <a:t>第五级</a:t>
             </a:r>
-            <a:endParaRPr lang="zh-CN" altLang="en-US" dirty="0"/>
           </a:p>
         </p:txBody>
       </p:sp>
@@ -3115,6 +3081,7 @@
           <a:p>
             <a:fld id="{760FBDFE-C587-4B4C-A407-44438C67B59E}" type="datetimeFigureOut">
               <a:rPr lang="zh-CN" altLang="en-US" smtClean="0"/>
+              <a:t>2024/2/1</a:t>
             </a:fld>
             <a:endParaRPr lang="zh-CN" altLang="en-US" dirty="0"/>
           </a:p>
@@ -3196,6 +3163,7 @@
           <a:p>
             <a:fld id="{49AE70B2-8BF9-45C0-BB95-33D1B9D3A854}" type="slidenum">
               <a:rPr lang="zh-CN" altLang="en-US" smtClean="0"/>
+              <a:t>‹#›</a:t>
             </a:fld>
             <a:endParaRPr lang="zh-CN" altLang="en-US"/>
           </a:p>
@@ -3536,6 +3504,7 @@
           <a:bodyPr wrap="square" rtlCol="0">
             <a:spAutoFit/>
           </a:bodyPr>
+          <a:lstStyle/>
           <a:p>
             <a:pPr algn="ctr"/>
             <a:r>
@@ -3763,28 +3732,6 @@
               </a:rPr>
               <a:t>病</a:t>
             </a:r>
-            <a:endParaRPr lang="zh-CN" altLang="en-US" sz="9600" b="1">
-              <a:ln w="38100">
-                <a:solidFill>
-                  <a:schemeClr val="bg1">
-                    <a:lumMod val="95000"/>
-                  </a:schemeClr>
-                </a:solidFill>
-              </a:ln>
-              <a:solidFill>
-                <a:schemeClr val="tx1"/>
-              </a:solidFill>
-              <a:effectLst>
-                <a:outerShdw blurRad="50800" dist="38100" dir="2700000" algn="tl" rotWithShape="0">
-                  <a:prstClr val="black">
-                    <a:alpha val="40000"/>
-                  </a:prstClr>
-                </a:outerShdw>
-              </a:effectLst>
-              <a:latin typeface="华文隶书" panose="02010800040101010101" charset="-122"/>
-              <a:ea typeface="华文隶书" panose="02010800040101010101" charset="-122"/>
-              <a:cs typeface="华文隶书" panose="02010800040101010101" charset="-122"/>
-            </a:endParaRPr>
           </a:p>
         </p:txBody>
       </p:sp>
@@ -3836,9 +3783,74 @@
         </p:style>
         <p:txBody>
           <a:bodyPr rtlCol="0" anchor="ctr"/>
+          <a:lstStyle/>
           <a:p>
             <a:pPr algn="ctr"/>
             <a:endParaRPr lang="en-US"/>
+          </a:p>
+        </p:txBody>
+      </p:sp>
+      <p:sp>
+        <p:nvSpPr>
+          <p:cNvPr id="4" name="流程图: 对照 3">
+            <a:extLst>
+              <a:ext uri="{FF2B5EF4-FFF2-40B4-BE49-F238E27FC236}">
+                <a16:creationId xmlns:a16="http://schemas.microsoft.com/office/drawing/2014/main" id="{B3DE9A3F-3E7C-42F1-B4FF-F9318F5F746E}"/>
+              </a:ext>
+            </a:extLst>
+          </p:cNvPr>
+          <p:cNvSpPr/>
+          <p:nvPr/>
+        </p:nvSpPr>
+        <p:spPr>
+          <a:xfrm>
+            <a:off x="8764621" y="3356043"/>
+            <a:ext cx="856034" cy="1712068"/>
+          </a:xfrm>
+          <a:prstGeom prst="flowChartCollate">
+            <a:avLst/>
+          </a:prstGeom>
+          <a:solidFill>
+            <a:schemeClr val="bg1">
+              <a:lumMod val="85000"/>
+            </a:schemeClr>
+          </a:solidFill>
+          <a:ln w="127000" cap="rnd">
+            <a:solidFill>
+              <a:schemeClr val="tx1">
+                <a:lumMod val="65000"/>
+                <a:lumOff val="35000"/>
+              </a:schemeClr>
+            </a:solidFill>
+            <a:round/>
+          </a:ln>
+        </p:spPr>
+        <p:style>
+          <a:lnRef idx="2">
+            <a:schemeClr val="accent1">
+              <a:shade val="50000"/>
+            </a:schemeClr>
+          </a:lnRef>
+          <a:fillRef idx="1">
+            <a:schemeClr val="accent1"/>
+          </a:fillRef>
+          <a:effectRef idx="0">
+            <a:schemeClr val="accent1"/>
+          </a:effectRef>
+          <a:fontRef idx="minor">
+            <a:schemeClr val="lt1"/>
+          </a:fontRef>
+        </p:style>
+        <p:txBody>
+          <a:bodyPr rtlCol="0" anchor="ctr"/>
+          <a:lstStyle/>
+          <a:p>
+            <a:pPr algn="ctr"/>
+            <a:endParaRPr lang="zh-CN" altLang="en-US" dirty="0">
+              <a:solidFill>
+                <a:schemeClr val="tx1"/>
+              </a:solidFill>
+            </a:endParaRPr>
           </a:p>
         </p:txBody>
       </p:sp>
@@ -4033,6 +4045,8 @@
       </a:bgFillStyleLst>
     </a:fmtScheme>
   </a:themeElements>
+  <a:objectDefaults/>
+  <a:extraClrSchemeLst/>
   <a:extLst>
     <a:ext uri="{05A4C25C-085E-4340-85A3-A5531E510DB2}">
       <thm15:themeFamily xmlns:thm15="http://schemas.microsoft.com/office/thememl/2012/main" name="Office Theme" id="{62F939B6-93AF-4DB8-9C6B-D6C7DFDC589F}" vid="{4A3C46E8-61CC-4603-A589-7422A47A8E4A}"/>
@@ -4292,6 +4306,8 @@
       </a:bgFillStyleLst>
     </a:fmtScheme>
   </a:themeElements>
+  <a:objectDefaults/>
+  <a:extraClrSchemeLst/>
   <a:extLst>
     <a:ext uri="{05A4C25C-085E-4340-85A3-A5531E510DB2}">
       <thm15:themeFamily xmlns:thm15="http://schemas.microsoft.com/office/thememl/2012/main" name="Office Theme" id="{62F939B6-93AF-4DB8-9C6B-D6C7DFDC589F}" vid="{4A3C46E8-61CC-4603-A589-7422A47A8E4A}"/>
@@ -4551,6 +4567,8 @@
       </a:bgFillStyleLst>
     </a:fmtScheme>
   </a:themeElements>
+  <a:objectDefaults/>
+  <a:extraClrSchemeLst/>
   <a:extLst>
     <a:ext uri="{05A4C25C-085E-4340-85A3-A5531E510DB2}">
       <thm15:themeFamily xmlns:thm15="http://schemas.microsoft.com/office/thememl/2012/main" name="Office Theme" id="{62F939B6-93AF-4DB8-9C6B-D6C7DFDC589F}" vid="{4A3C46E8-61CC-4603-A589-7422A47A8E4A}"/>
